--- a/AI/FrostVer2.pptx
+++ b/AI/FrostVer2.pptx
@@ -108,6 +108,11 @@
       </a:defRPr>
     </a:lvl9pPr>
   </p:defaultTextStyle>
+  <p:extLst>
+    <p:ext uri="{EFAFB233-063F-42B5-8137-9DF3F51BA10A}">
+      <p15:sldGuideLst xmlns:p15="http://schemas.microsoft.com/office/powerpoint/2012/main"/>
+    </p:ext>
+  </p:extLst>
 </p:presentation>
 </file>
 
@@ -254,7 +259,7 @@
           <a:p>
             <a:fld id="{5FEBFD95-8CFD-49BE-B999-985DD76DD94F}" type="datetimeFigureOut">
               <a:rPr lang="zh-CN" altLang="en-US" smtClean="0"/>
-              <a:t>2019/5/17</a:t>
+              <a:t>2019/5/26</a:t>
             </a:fld>
             <a:endParaRPr lang="zh-CN" altLang="en-US"/>
           </a:p>
@@ -424,7 +429,7 @@
           <a:p>
             <a:fld id="{5FEBFD95-8CFD-49BE-B999-985DD76DD94F}" type="datetimeFigureOut">
               <a:rPr lang="zh-CN" altLang="en-US" smtClean="0"/>
-              <a:t>2019/5/17</a:t>
+              <a:t>2019/5/26</a:t>
             </a:fld>
             <a:endParaRPr lang="zh-CN" altLang="en-US"/>
           </a:p>
@@ -604,7 +609,7 @@
           <a:p>
             <a:fld id="{5FEBFD95-8CFD-49BE-B999-985DD76DD94F}" type="datetimeFigureOut">
               <a:rPr lang="zh-CN" altLang="en-US" smtClean="0"/>
-              <a:t>2019/5/17</a:t>
+              <a:t>2019/5/26</a:t>
             </a:fld>
             <a:endParaRPr lang="zh-CN" altLang="en-US"/>
           </a:p>
@@ -774,7 +779,7 @@
           <a:p>
             <a:fld id="{5FEBFD95-8CFD-49BE-B999-985DD76DD94F}" type="datetimeFigureOut">
               <a:rPr lang="zh-CN" altLang="en-US" smtClean="0"/>
-              <a:t>2019/5/17</a:t>
+              <a:t>2019/5/26</a:t>
             </a:fld>
             <a:endParaRPr lang="zh-CN" altLang="en-US"/>
           </a:p>
@@ -1020,7 +1025,7 @@
           <a:p>
             <a:fld id="{5FEBFD95-8CFD-49BE-B999-985DD76DD94F}" type="datetimeFigureOut">
               <a:rPr lang="zh-CN" altLang="en-US" smtClean="0"/>
-              <a:t>2019/5/17</a:t>
+              <a:t>2019/5/26</a:t>
             </a:fld>
             <a:endParaRPr lang="zh-CN" altLang="en-US"/>
           </a:p>
@@ -1252,7 +1257,7 @@
           <a:p>
             <a:fld id="{5FEBFD95-8CFD-49BE-B999-985DD76DD94F}" type="datetimeFigureOut">
               <a:rPr lang="zh-CN" altLang="en-US" smtClean="0"/>
-              <a:t>2019/5/17</a:t>
+              <a:t>2019/5/26</a:t>
             </a:fld>
             <a:endParaRPr lang="zh-CN" altLang="en-US"/>
           </a:p>
@@ -1619,7 +1624,7 @@
           <a:p>
             <a:fld id="{5FEBFD95-8CFD-49BE-B999-985DD76DD94F}" type="datetimeFigureOut">
               <a:rPr lang="zh-CN" altLang="en-US" smtClean="0"/>
-              <a:t>2019/5/17</a:t>
+              <a:t>2019/5/26</a:t>
             </a:fld>
             <a:endParaRPr lang="zh-CN" altLang="en-US"/>
           </a:p>
@@ -1737,7 +1742,7 @@
           <a:p>
             <a:fld id="{5FEBFD95-8CFD-49BE-B999-985DD76DD94F}" type="datetimeFigureOut">
               <a:rPr lang="zh-CN" altLang="en-US" smtClean="0"/>
-              <a:t>2019/5/17</a:t>
+              <a:t>2019/5/26</a:t>
             </a:fld>
             <a:endParaRPr lang="zh-CN" altLang="en-US"/>
           </a:p>
@@ -1832,7 +1837,7 @@
           <a:p>
             <a:fld id="{5FEBFD95-8CFD-49BE-B999-985DD76DD94F}" type="datetimeFigureOut">
               <a:rPr lang="zh-CN" altLang="en-US" smtClean="0"/>
-              <a:t>2019/5/17</a:t>
+              <a:t>2019/5/26</a:t>
             </a:fld>
             <a:endParaRPr lang="zh-CN" altLang="en-US"/>
           </a:p>
@@ -2109,7 +2114,7 @@
           <a:p>
             <a:fld id="{5FEBFD95-8CFD-49BE-B999-985DD76DD94F}" type="datetimeFigureOut">
               <a:rPr lang="zh-CN" altLang="en-US" smtClean="0"/>
-              <a:t>2019/5/17</a:t>
+              <a:t>2019/5/26</a:t>
             </a:fld>
             <a:endParaRPr lang="zh-CN" altLang="en-US"/>
           </a:p>
@@ -2362,7 +2367,7 @@
           <a:p>
             <a:fld id="{5FEBFD95-8CFD-49BE-B999-985DD76DD94F}" type="datetimeFigureOut">
               <a:rPr lang="zh-CN" altLang="en-US" smtClean="0"/>
-              <a:t>2019/5/17</a:t>
+              <a:t>2019/5/26</a:t>
             </a:fld>
             <a:endParaRPr lang="zh-CN" altLang="en-US"/>
           </a:p>
@@ -2575,7 +2580,7 @@
           <a:p>
             <a:fld id="{5FEBFD95-8CFD-49BE-B999-985DD76DD94F}" type="datetimeFigureOut">
               <a:rPr lang="zh-CN" altLang="en-US" smtClean="0"/>
-              <a:t>2019/5/17</a:t>
+              <a:t>2019/5/26</a:t>
             </a:fld>
             <a:endParaRPr lang="zh-CN" altLang="en-US"/>
           </a:p>
@@ -4354,8 +4359,8 @@
         </p:nvSpPr>
         <p:spPr>
           <a:xfrm>
-            <a:off x="6352071" y="540836"/>
-            <a:ext cx="2933476" cy="369332"/>
+            <a:off x="6486407" y="595918"/>
+            <a:ext cx="3220831" cy="369332"/>
           </a:xfrm>
           <a:prstGeom prst="rect">
             <a:avLst/>
@@ -4373,12 +4378,16 @@
               <a:t>牌河 </a:t>
             </a:r>
             <a:r>
-              <a:rPr lang="en-US" altLang="zh-CN" dirty="0" smtClean="0"/>
-              <a:t>x8 (</a:t>
+              <a:rPr lang="en-US" altLang="zh-CN" dirty="0"/>
+              <a:t>x4 (</a:t>
+            </a:r>
+            <a:r>
+              <a:rPr lang="zh-CN" altLang="en-US" dirty="0"/>
+              <a:t>自己和对手</a:t>
             </a:r>
             <a:r>
               <a:rPr lang="zh-CN" altLang="en-US" dirty="0" smtClean="0"/>
-              <a:t>摸切和手切分开算）</a:t>
+              <a:t>）</a:t>
             </a:r>
             <a:endParaRPr lang="zh-CN" altLang="en-US" dirty="0"/>
           </a:p>
@@ -4393,14 +4402,14 @@
           <p:nvPr>
             <p:extLst>
               <p:ext uri="{D42A27DB-BD31-4B8C-83A1-F6EECF244321}">
-                <p14:modId xmlns:p14="http://schemas.microsoft.com/office/powerpoint/2010/main" val="877285847"/>
+                <p14:modId xmlns:p14="http://schemas.microsoft.com/office/powerpoint/2010/main" val="3545633893"/>
               </p:ext>
             </p:extLst>
           </p:nvPr>
         </p:nvGraphicFramePr>
         <p:xfrm>
           <a:off x="6451592" y="1070032"/>
-          <a:ext cx="2458725" cy="5016115"/>
+          <a:ext cx="2458728" cy="5016115"/>
         </p:xfrm>
         <a:graphic>
           <a:graphicData uri="http://schemas.openxmlformats.org/drawingml/2006/table">
@@ -4409,41 +4418,48 @@
                 <a:tableStyleId>{5940675A-B579-460E-94D1-54222C63F5DA}</a:tableStyleId>
               </a:tblPr>
               <a:tblGrid>
-                <a:gridCol w="491745">
+                <a:gridCol w="409788">
                   <a:extLst>
                     <a:ext uri="{9D8B030D-6E8A-4147-A177-3AD203B41FA5}">
                       <a16:colId xmlns:a16="http://schemas.microsoft.com/office/drawing/2014/main" val="1641402817"/>
                     </a:ext>
                   </a:extLst>
                 </a:gridCol>
-                <a:gridCol w="491745">
+                <a:gridCol w="409788">
                   <a:extLst>
                     <a:ext uri="{9D8B030D-6E8A-4147-A177-3AD203B41FA5}">
                       <a16:colId xmlns:a16="http://schemas.microsoft.com/office/drawing/2014/main" val="3165536729"/>
                     </a:ext>
                   </a:extLst>
                 </a:gridCol>
-                <a:gridCol w="491745">
+                <a:gridCol w="409788">
                   <a:extLst>
                     <a:ext uri="{9D8B030D-6E8A-4147-A177-3AD203B41FA5}">
                       <a16:colId xmlns:a16="http://schemas.microsoft.com/office/drawing/2014/main" val="1808853389"/>
                     </a:ext>
                   </a:extLst>
                 </a:gridCol>
-                <a:gridCol w="491745">
+                <a:gridCol w="409788">
                   <a:extLst>
                     <a:ext uri="{9D8B030D-6E8A-4147-A177-3AD203B41FA5}">
                       <a16:colId xmlns:a16="http://schemas.microsoft.com/office/drawing/2014/main" val="2202860885"/>
                     </a:ext>
                   </a:extLst>
                 </a:gridCol>
-                <a:gridCol w="491745">
+                <a:gridCol w="409788">
                   <a:extLst>
                     <a:ext uri="{9D8B030D-6E8A-4147-A177-3AD203B41FA5}">
                       <a16:colId xmlns:a16="http://schemas.microsoft.com/office/drawing/2014/main" val="1560449329"/>
                     </a:ext>
                   </a:extLst>
                 </a:gridCol>
+                <a:gridCol w="409788">
+                  <a:extLst>
+                    <a:ext uri="{9D8B030D-6E8A-4147-A177-3AD203B41FA5}">
+                      <a16:colId xmlns:a16="http://schemas.microsoft.com/office/drawing/2014/main" val="1935518722"/>
+                    </a:ext>
+                  </a:extLst>
+                </a:gridCol>
               </a:tblGrid>
               <a:tr h="1003223">
                 <a:tc>
@@ -4454,6 +4470,20 @@
                       <a:r>
                         <a:rPr lang="en-US" altLang="zh-CN" dirty="0" smtClean="0"/>
                         <a:t>1</a:t>
+                      </a:r>
+                      <a:endParaRPr lang="zh-CN" altLang="en-US" dirty="0"/>
+                    </a:p>
+                  </a:txBody>
+                  <a:tcPr/>
+                </a:tc>
+                <a:tc>
+                  <a:txBody>
+                    <a:bodyPr/>
+                    <a:lstStyle/>
+                    <a:p>
+                      <a:r>
+                        <a:rPr lang="en-US" altLang="zh-CN" dirty="0" smtClean="0"/>
+                        <a:t>0</a:t>
                       </a:r>
                       <a:endParaRPr lang="zh-CN" altLang="en-US" dirty="0"/>
                     </a:p>
@@ -4593,6 +4623,20 @@
                   </a:txBody>
                   <a:tcPr/>
                 </a:tc>
+                <a:tc>
+                  <a:txBody>
+                    <a:bodyPr/>
+                    <a:lstStyle/>
+                    <a:p>
+                      <a:r>
+                        <a:rPr lang="en-US" altLang="zh-CN" dirty="0" smtClean="0"/>
+                        <a:t>0</a:t>
+                      </a:r>
+                      <a:endParaRPr lang="zh-CN" altLang="en-US" dirty="0"/>
+                    </a:p>
+                  </a:txBody>
+                  <a:tcPr/>
+                </a:tc>
                 <a:extLst>
                   <a:ext uri="{0D108BD9-81ED-4DB2-BD59-A6C34878D82A}">
                     <a16:rowId xmlns:a16="http://schemas.microsoft.com/office/drawing/2014/main" val="4039626908"/>
@@ -4740,6 +4784,19 @@
                   </a:txBody>
                   <a:tcPr/>
                 </a:tc>
+                <a:tc>
+                  <a:txBody>
+                    <a:bodyPr/>
+                    <a:lstStyle/>
+                    <a:p>
+                      <a:r>
+                        <a:rPr lang="en-US" altLang="zh-CN" dirty="0" smtClean="0"/>
+                        <a:t>0</a:t>
+                      </a:r>
+                    </a:p>
+                  </a:txBody>
+                  <a:tcPr/>
+                </a:tc>
                 <a:extLst>
                   <a:ext uri="{0D108BD9-81ED-4DB2-BD59-A6C34878D82A}">
                     <a16:rowId xmlns:a16="http://schemas.microsoft.com/office/drawing/2014/main" val="3174088487"/>
@@ -4817,6 +4874,20 @@
                   </a:txBody>
                   <a:tcPr/>
                 </a:tc>
+                <a:tc>
+                  <a:txBody>
+                    <a:bodyPr/>
+                    <a:lstStyle/>
+                    <a:p>
+                      <a:r>
+                        <a:rPr lang="en-US" altLang="zh-CN" dirty="0" smtClean="0"/>
+                        <a:t>0</a:t>
+                      </a:r>
+                      <a:endParaRPr lang="zh-CN" altLang="en-US" dirty="0"/>
+                    </a:p>
+                  </a:txBody>
+                  <a:tcPr/>
+                </a:tc>
                 <a:extLst>
                   <a:ext uri="{0D108BD9-81ED-4DB2-BD59-A6C34878D82A}">
                     <a16:rowId xmlns:a16="http://schemas.microsoft.com/office/drawing/2014/main" val="2566960390"/>
@@ -4888,6 +4959,20 @@
                       <a:r>
                         <a:rPr lang="en-US" altLang="zh-CN" dirty="0" smtClean="0"/>
                         <a:t>0</a:t>
+                      </a:r>
+                      <a:endParaRPr lang="zh-CN" altLang="en-US" dirty="0"/>
+                    </a:p>
+                  </a:txBody>
+                  <a:tcPr/>
+                </a:tc>
+                <a:tc>
+                  <a:txBody>
+                    <a:bodyPr/>
+                    <a:lstStyle/>
+                    <a:p>
+                      <a:r>
+                        <a:rPr lang="en-US" altLang="zh-CN" dirty="0" smtClean="0"/>
+                        <a:t>1</a:t>
                       </a:r>
                       <a:endParaRPr lang="zh-CN" altLang="en-US" dirty="0"/>
                     </a:p>
@@ -5379,8 +5464,8 @@
         </p:nvSpPr>
         <p:spPr>
           <a:xfrm>
-            <a:off x="6352071" y="6141229"/>
-            <a:ext cx="3591098" cy="338554"/>
+            <a:off x="6392555" y="6107509"/>
+            <a:ext cx="3591098" cy="276999"/>
           </a:xfrm>
           <a:prstGeom prst="rect">
             <a:avLst/>
@@ -5394,38 +5479,38 @@
           <a:lstStyle/>
           <a:p>
             <a:r>
-              <a:rPr lang="en-US" altLang="zh-CN" sz="1600" dirty="0" smtClean="0"/>
+              <a:rPr lang="en-US" altLang="zh-CN" sz="1200" dirty="0" smtClean="0"/>
               <a:t>1</a:t>
             </a:r>
             <a:r>
-              <a:rPr lang="zh-CN" altLang="en-US" sz="1600" dirty="0" smtClean="0"/>
+              <a:rPr lang="zh-CN" altLang="en-US" sz="1200" dirty="0" smtClean="0"/>
               <a:t>张    </a:t>
             </a:r>
             <a:r>
-              <a:rPr lang="en-US" altLang="zh-CN" sz="1600" dirty="0" smtClean="0"/>
+              <a:rPr lang="en-US" altLang="zh-CN" sz="1200" dirty="0" smtClean="0"/>
               <a:t>2</a:t>
             </a:r>
             <a:r>
-              <a:rPr lang="zh-CN" altLang="en-US" sz="1600" dirty="0" smtClean="0"/>
+              <a:rPr lang="zh-CN" altLang="en-US" sz="1200" dirty="0" smtClean="0"/>
               <a:t>张   </a:t>
             </a:r>
             <a:r>
-              <a:rPr lang="en-US" altLang="zh-CN" sz="1600" dirty="0" smtClean="0"/>
+              <a:rPr lang="en-US" altLang="zh-CN" sz="1200" dirty="0" smtClean="0"/>
               <a:t>3</a:t>
             </a:r>
             <a:r>
-              <a:rPr lang="zh-CN" altLang="en-US" sz="1600" dirty="0" smtClean="0"/>
-              <a:t>张   </a:t>
-            </a:r>
-            <a:r>
-              <a:rPr lang="en-US" altLang="zh-CN" sz="1600" dirty="0" smtClean="0"/>
+              <a:rPr lang="zh-CN" altLang="en-US" sz="1200" dirty="0" smtClean="0"/>
+              <a:t>张      </a:t>
+            </a:r>
+            <a:r>
+              <a:rPr lang="en-US" altLang="zh-CN" sz="1200" dirty="0" smtClean="0"/>
               <a:t>4</a:t>
             </a:r>
             <a:r>
-              <a:rPr lang="zh-CN" altLang="en-US" sz="1600" dirty="0" smtClean="0"/>
-              <a:t>张  宝牌数</a:t>
-            </a:r>
-            <a:endParaRPr lang="zh-CN" altLang="en-US" sz="1600" dirty="0"/>
+              <a:rPr lang="zh-CN" altLang="en-US" sz="1200" dirty="0" smtClean="0"/>
+              <a:t>张   宝牌数  是否手切</a:t>
+            </a:r>
+            <a:endParaRPr lang="zh-CN" altLang="en-US" sz="1200" dirty="0"/>
           </a:p>
         </p:txBody>
       </p:sp>
@@ -5453,11 +5538,7 @@
           <a:p>
             <a:r>
               <a:rPr lang="zh-CN" altLang="en-US" sz="1600" dirty="0" smtClean="0"/>
-              <a:t>宝牌   </a:t>
-            </a:r>
-            <a:r>
-              <a:rPr lang="zh-CN" altLang="en-US" sz="1600" dirty="0" smtClean="0"/>
-              <a:t>场风  自风</a:t>
+              <a:t>宝牌   场风  自风</a:t>
             </a:r>
             <a:endParaRPr lang="en-US" altLang="zh-CN" sz="1600" dirty="0" smtClean="0"/>
           </a:p>
@@ -5858,14 +5939,14 @@
           <p:nvPr>
             <p:extLst>
               <p:ext uri="{D42A27DB-BD31-4B8C-83A1-F6EECF244321}">
-                <p14:modId xmlns:p14="http://schemas.microsoft.com/office/powerpoint/2010/main" val="3229405829"/>
+                <p14:modId xmlns:p14="http://schemas.microsoft.com/office/powerpoint/2010/main" val="793547476"/>
               </p:ext>
             </p:extLst>
           </p:nvPr>
         </p:nvGraphicFramePr>
         <p:xfrm>
-          <a:off x="482293" y="740748"/>
-          <a:ext cx="4526742" cy="5828112"/>
+          <a:off x="436558" y="525218"/>
+          <a:ext cx="5563409" cy="5780196"/>
         </p:xfrm>
         <a:graphic>
           <a:graphicData uri="http://schemas.openxmlformats.org/drawingml/2006/table">
@@ -5874,21 +5955,21 @@
                 <a:tableStyleId>{5C22544A-7EE6-4342-B048-85BDC9FD1C3A}</a:tableStyleId>
               </a:tblPr>
               <a:tblGrid>
-                <a:gridCol w="1508914">
+                <a:gridCol w="2050956">
                   <a:extLst>
                     <a:ext uri="{9D8B030D-6E8A-4147-A177-3AD203B41FA5}">
                       <a16:colId xmlns:a16="http://schemas.microsoft.com/office/drawing/2014/main" val="3784355608"/>
                     </a:ext>
                   </a:extLst>
                 </a:gridCol>
-                <a:gridCol w="1508914">
+                <a:gridCol w="1251505">
                   <a:extLst>
                     <a:ext uri="{9D8B030D-6E8A-4147-A177-3AD203B41FA5}">
                       <a16:colId xmlns:a16="http://schemas.microsoft.com/office/drawing/2014/main" val="1582525916"/>
                     </a:ext>
                   </a:extLst>
                 </a:gridCol>
-                <a:gridCol w="1508914">
+                <a:gridCol w="2260948">
                   <a:extLst>
                     <a:ext uri="{9D8B030D-6E8A-4147-A177-3AD203B41FA5}">
                       <a16:colId xmlns:a16="http://schemas.microsoft.com/office/drawing/2014/main" val="311356394"/>
@@ -5896,7 +5977,7 @@
                   </a:extLst>
                 </a:gridCol>
               </a:tblGrid>
-              <a:tr h="647568">
+              <a:tr h="448905">
                 <a:tc>
                   <a:txBody>
                     <a:bodyPr/>
@@ -5945,60 +6026,7 @@
                   </a:ext>
                 </a:extLst>
               </a:tr>
-              <a:tr h="647568">
-                <a:tc>
-                  <a:txBody>
-                    <a:bodyPr/>
-                    <a:lstStyle/>
-                    <a:p>
-                      <a:r>
-                        <a:rPr lang="zh-CN" altLang="en-US" dirty="0" smtClean="0"/>
-                        <a:t>巡数</a:t>
-                      </a:r>
-                      <a:endParaRPr lang="zh-CN" altLang="en-US" dirty="0"/>
-                    </a:p>
-                  </a:txBody>
-                  <a:tcPr/>
-                </a:tc>
-                <a:tc>
-                  <a:txBody>
-                    <a:bodyPr/>
-                    <a:lstStyle/>
-                    <a:p>
-                      <a:r>
-                        <a:rPr lang="en-US" altLang="zh-CN" dirty="0" smtClean="0"/>
-                        <a:t>1</a:t>
-                      </a:r>
-                      <a:endParaRPr lang="zh-CN" altLang="en-US" dirty="0"/>
-                    </a:p>
-                  </a:txBody>
-                  <a:tcPr/>
-                </a:tc>
-                <a:tc>
-                  <a:txBody>
-                    <a:bodyPr/>
-                    <a:lstStyle/>
-                    <a:p>
-                      <a:r>
-                        <a:rPr lang="zh-CN" altLang="en-US" dirty="0" smtClean="0"/>
-                        <a:t>巡数</a:t>
-                      </a:r>
-                      <a:r>
-                        <a:rPr lang="en-US" altLang="zh-CN" dirty="0" smtClean="0"/>
-                        <a:t>/18</a:t>
-                      </a:r>
-                      <a:endParaRPr lang="zh-CN" altLang="en-US" dirty="0"/>
-                    </a:p>
-                  </a:txBody>
-                  <a:tcPr/>
-                </a:tc>
-                <a:extLst>
-                  <a:ext uri="{0D108BD9-81ED-4DB2-BD59-A6C34878D82A}">
-                    <a16:rowId xmlns:a16="http://schemas.microsoft.com/office/drawing/2014/main" val="1355432888"/>
-                  </a:ext>
-                </a:extLst>
-              </a:tr>
-              <a:tr h="647568">
+              <a:tr h="448905">
                 <a:tc>
                   <a:txBody>
                     <a:bodyPr/>
@@ -6051,7 +6079,7 @@
                   </a:ext>
                 </a:extLst>
               </a:tr>
-              <a:tr h="647568">
+              <a:tr h="518091">
                 <a:tc>
                   <a:txBody>
                     <a:bodyPr/>
@@ -6112,9 +6140,6 @@
                       </a:r>
                       <a:endParaRPr lang="zh-CN" altLang="en-US" dirty="0" smtClean="0"/>
                     </a:p>
-                    <a:p>
-                      <a:endParaRPr lang="zh-CN" altLang="en-US" dirty="0"/>
-                    </a:p>
                   </a:txBody>
                   <a:tcPr/>
                 </a:tc>
@@ -6124,7 +6149,56 @@
                   </a:ext>
                 </a:extLst>
               </a:tr>
-              <a:tr h="647568">
+              <a:tr h="513735">
+                <a:tc>
+                  <a:txBody>
+                    <a:bodyPr/>
+                    <a:lstStyle/>
+                    <a:p>
+                      <a:r>
+                        <a:rPr lang="ja-JP" altLang="en-US" dirty="0" smtClean="0"/>
+                        <a:t>一発</a:t>
+                      </a:r>
+                      <a:endParaRPr lang="zh-CN" altLang="en-US" dirty="0"/>
+                    </a:p>
+                  </a:txBody>
+                  <a:tcPr/>
+                </a:tc>
+                <a:tc>
+                  <a:txBody>
+                    <a:bodyPr/>
+                    <a:lstStyle/>
+                    <a:p>
+                      <a:r>
+                        <a:rPr lang="en-US" altLang="zh-CN" dirty="0" smtClean="0"/>
+                        <a:t>4</a:t>
+                      </a:r>
+                      <a:endParaRPr lang="zh-CN" altLang="en-US" dirty="0"/>
+                    </a:p>
+                  </a:txBody>
+                  <a:tcPr/>
+                </a:tc>
+                <a:tc>
+                  <a:txBody>
+                    <a:bodyPr/>
+                    <a:lstStyle/>
+                    <a:p>
+                      <a:r>
+                        <a:rPr lang="en-US" altLang="zh-CN" dirty="0" smtClean="0"/>
+                        <a:t>0 or 1</a:t>
+                      </a:r>
+                      <a:endParaRPr lang="zh-CN" altLang="en-US" dirty="0"/>
+                    </a:p>
+                  </a:txBody>
+                  <a:tcPr/>
+                </a:tc>
+                <a:extLst>
+                  <a:ext uri="{0D108BD9-81ED-4DB2-BD59-A6C34878D82A}">
+                    <a16:rowId xmlns:a16="http://schemas.microsoft.com/office/drawing/2014/main" val="2920297225"/>
+                  </a:ext>
+                </a:extLst>
+              </a:tr>
+              <a:tr h="513735">
                 <a:tc>
                   <a:txBody>
                     <a:bodyPr/>
@@ -6132,7 +6206,219 @@
                     <a:p>
                       <a:r>
                         <a:rPr lang="zh-CN" altLang="en-US" dirty="0" smtClean="0"/>
-                        <a:t>剩余牌数</a:t>
+                        <a:t>庄家</a:t>
+                      </a:r>
+                      <a:endParaRPr lang="zh-CN" altLang="en-US" dirty="0"/>
+                    </a:p>
+                  </a:txBody>
+                  <a:tcPr/>
+                </a:tc>
+                <a:tc>
+                  <a:txBody>
+                    <a:bodyPr/>
+                    <a:lstStyle/>
+                    <a:p>
+                      <a:r>
+                        <a:rPr lang="en-US" altLang="zh-CN" dirty="0" smtClean="0"/>
+                        <a:t>4</a:t>
+                      </a:r>
+                      <a:endParaRPr lang="zh-CN" altLang="en-US" dirty="0"/>
+                    </a:p>
+                  </a:txBody>
+                  <a:tcPr/>
+                </a:tc>
+                <a:tc>
+                  <a:txBody>
+                    <a:bodyPr/>
+                    <a:lstStyle/>
+                    <a:p>
+                      <a:r>
+                        <a:rPr lang="en-US" altLang="zh-CN" dirty="0" smtClean="0"/>
+                        <a:t>0</a:t>
+                      </a:r>
+                      <a:r>
+                        <a:rPr lang="en-US" altLang="zh-CN" baseline="0" dirty="0" smtClean="0"/>
+                        <a:t> or 1</a:t>
+                      </a:r>
+                      <a:endParaRPr lang="zh-CN" altLang="en-US" dirty="0"/>
+                    </a:p>
+                  </a:txBody>
+                  <a:tcPr/>
+                </a:tc>
+                <a:extLst>
+                  <a:ext uri="{0D108BD9-81ED-4DB2-BD59-A6C34878D82A}">
+                    <a16:rowId xmlns:a16="http://schemas.microsoft.com/office/drawing/2014/main" val="426340911"/>
+                  </a:ext>
+                </a:extLst>
+              </a:tr>
+              <a:tr h="513735">
+                <a:tc>
+                  <a:txBody>
+                    <a:bodyPr/>
+                    <a:lstStyle/>
+                    <a:p>
+                      <a:r>
+                        <a:rPr lang="zh-CN" altLang="en-US" dirty="0" smtClean="0"/>
+                        <a:t>门清</a:t>
+                      </a:r>
+                      <a:endParaRPr lang="zh-CN" altLang="en-US" dirty="0"/>
+                    </a:p>
+                  </a:txBody>
+                  <a:tcPr/>
+                </a:tc>
+                <a:tc>
+                  <a:txBody>
+                    <a:bodyPr/>
+                    <a:lstStyle/>
+                    <a:p>
+                      <a:r>
+                        <a:rPr lang="en-US" altLang="zh-CN" dirty="0" smtClean="0"/>
+                        <a:t>4</a:t>
+                      </a:r>
+                      <a:endParaRPr lang="zh-CN" altLang="en-US" dirty="0"/>
+                    </a:p>
+                  </a:txBody>
+                  <a:tcPr/>
+                </a:tc>
+                <a:tc>
+                  <a:txBody>
+                    <a:bodyPr/>
+                    <a:lstStyle/>
+                    <a:p>
+                      <a:r>
+                        <a:rPr lang="en-US" altLang="zh-CN" dirty="0" smtClean="0"/>
+                        <a:t>0 or 1</a:t>
+                      </a:r>
+                      <a:endParaRPr lang="zh-CN" altLang="en-US" dirty="0"/>
+                    </a:p>
+                  </a:txBody>
+                  <a:tcPr/>
+                </a:tc>
+                <a:extLst>
+                  <a:ext uri="{0D108BD9-81ED-4DB2-BD59-A6C34878D82A}">
+                    <a16:rowId xmlns:a16="http://schemas.microsoft.com/office/drawing/2014/main" val="2533242193"/>
+                  </a:ext>
+                </a:extLst>
+              </a:tr>
+              <a:tr h="513735">
+                <a:tc>
+                  <a:txBody>
+                    <a:bodyPr/>
+                    <a:lstStyle/>
+                    <a:p>
+                      <a:r>
+                        <a:rPr lang="zh-CN" altLang="en-US" dirty="0" smtClean="0"/>
+                        <a:t>各家手牌数</a:t>
+                      </a:r>
+                      <a:endParaRPr lang="zh-CN" altLang="en-US" dirty="0"/>
+                    </a:p>
+                  </a:txBody>
+                  <a:tcPr/>
+                </a:tc>
+                <a:tc>
+                  <a:txBody>
+                    <a:bodyPr/>
+                    <a:lstStyle/>
+                    <a:p>
+                      <a:r>
+                        <a:rPr lang="en-US" altLang="zh-CN" dirty="0" smtClean="0"/>
+                        <a:t>4</a:t>
+                      </a:r>
+                      <a:endParaRPr lang="zh-CN" altLang="en-US" dirty="0"/>
+                    </a:p>
+                  </a:txBody>
+                  <a:tcPr/>
+                </a:tc>
+                <a:tc>
+                  <a:txBody>
+                    <a:bodyPr/>
+                    <a:lstStyle/>
+                    <a:p>
+                      <a:r>
+                        <a:rPr lang="zh-CN" altLang="en-US" dirty="0" smtClean="0"/>
+                        <a:t>手牌数</a:t>
+                      </a:r>
+                      <a:r>
+                        <a:rPr lang="en-US" altLang="zh-CN" dirty="0" smtClean="0"/>
+                        <a:t>/13</a:t>
+                      </a:r>
+                      <a:endParaRPr lang="zh-CN" altLang="en-US" dirty="0"/>
+                    </a:p>
+                  </a:txBody>
+                  <a:tcPr/>
+                </a:tc>
+                <a:extLst>
+                  <a:ext uri="{0D108BD9-81ED-4DB2-BD59-A6C34878D82A}">
+                    <a16:rowId xmlns:a16="http://schemas.microsoft.com/office/drawing/2014/main" val="1133877819"/>
+                  </a:ext>
+                </a:extLst>
+              </a:tr>
+              <a:tr h="513735">
+                <a:tc>
+                  <a:txBody>
+                    <a:bodyPr/>
+                    <a:lstStyle/>
+                    <a:p>
+                      <a:r>
+                        <a:rPr lang="zh-CN" altLang="en-US" dirty="0" smtClean="0"/>
+                        <a:t>巡数</a:t>
+                      </a:r>
+                      <a:endParaRPr lang="zh-CN" altLang="en-US" dirty="0"/>
+                    </a:p>
+                  </a:txBody>
+                  <a:tcPr/>
+                </a:tc>
+                <a:tc>
+                  <a:txBody>
+                    <a:bodyPr/>
+                    <a:lstStyle/>
+                    <a:p>
+                      <a:r>
+                        <a:rPr lang="en-US" altLang="zh-CN" dirty="0" smtClean="0"/>
+                        <a:t>1</a:t>
+                      </a:r>
+                      <a:endParaRPr lang="zh-CN" altLang="en-US" dirty="0"/>
+                    </a:p>
+                  </a:txBody>
+                  <a:tcPr/>
+                </a:tc>
+                <a:tc>
+                  <a:txBody>
+                    <a:bodyPr/>
+                    <a:lstStyle/>
+                    <a:p>
+                      <a:r>
+                        <a:rPr lang="zh-CN" altLang="en-US" dirty="0" smtClean="0"/>
+                        <a:t>巡数</a:t>
+                      </a:r>
+                      <a:r>
+                        <a:rPr lang="en-US" altLang="zh-CN" dirty="0" smtClean="0"/>
+                        <a:t>/18</a:t>
+                      </a:r>
+                      <a:endParaRPr lang="zh-CN" altLang="en-US" dirty="0"/>
+                    </a:p>
+                  </a:txBody>
+                  <a:tcPr/>
+                </a:tc>
+                <a:extLst>
+                  <a:ext uri="{0D108BD9-81ED-4DB2-BD59-A6C34878D82A}">
+                    <a16:rowId xmlns:a16="http://schemas.microsoft.com/office/drawing/2014/main" val="3452569627"/>
+                  </a:ext>
+                </a:extLst>
+              </a:tr>
+              <a:tr h="448905">
+                <a:tc>
+                  <a:txBody>
+                    <a:bodyPr/>
+                    <a:lstStyle/>
+                    <a:p>
+                      <a:r>
+                        <a:rPr lang="zh-CN" altLang="en-US" dirty="0" smtClean="0"/>
+                        <a:t>牌山剩</a:t>
+                      </a:r>
+                      <a:r>
+                        <a:rPr lang="zh-CN" altLang="en-US" dirty="0" smtClean="0"/>
+                        <a:t>余牌数</a:t>
                       </a:r>
                       <a:endParaRPr lang="zh-CN" altLang="en-US" dirty="0"/>
                     </a:p>
@@ -6177,7 +6463,7 @@
                   </a:ext>
                 </a:extLst>
               </a:tr>
-              <a:tr h="647568">
+              <a:tr h="448905">
                 <a:tc>
                   <a:txBody>
                     <a:bodyPr/>
@@ -6185,60 +6471,7 @@
                     <a:p>
                       <a:r>
                         <a:rPr lang="zh-CN" altLang="en-US" dirty="0" smtClean="0"/>
-                        <a:t>庄家</a:t>
-                      </a:r>
-                      <a:endParaRPr lang="zh-CN" altLang="en-US" dirty="0"/>
-                    </a:p>
-                  </a:txBody>
-                  <a:tcPr/>
-                </a:tc>
-                <a:tc>
-                  <a:txBody>
-                    <a:bodyPr/>
-                    <a:lstStyle/>
-                    <a:p>
-                      <a:r>
-                        <a:rPr lang="en-US" altLang="zh-CN" dirty="0" smtClean="0"/>
-                        <a:t>4</a:t>
-                      </a:r>
-                      <a:endParaRPr lang="zh-CN" altLang="en-US" dirty="0"/>
-                    </a:p>
-                  </a:txBody>
-                  <a:tcPr/>
-                </a:tc>
-                <a:tc>
-                  <a:txBody>
-                    <a:bodyPr/>
-                    <a:lstStyle/>
-                    <a:p>
-                      <a:r>
-                        <a:rPr lang="en-US" altLang="zh-CN" dirty="0" smtClean="0"/>
-                        <a:t>0</a:t>
-                      </a:r>
-                      <a:r>
-                        <a:rPr lang="en-US" altLang="zh-CN" baseline="0" dirty="0" smtClean="0"/>
-                        <a:t> or 1</a:t>
-                      </a:r>
-                      <a:endParaRPr lang="zh-CN" altLang="en-US" dirty="0"/>
-                    </a:p>
-                  </a:txBody>
-                  <a:tcPr/>
-                </a:tc>
-                <a:extLst>
-                  <a:ext uri="{0D108BD9-81ED-4DB2-BD59-A6C34878D82A}">
-                    <a16:rowId xmlns:a16="http://schemas.microsoft.com/office/drawing/2014/main" val="3850168452"/>
-                  </a:ext>
-                </a:extLst>
-              </a:tr>
-              <a:tr h="647568">
-                <a:tc>
-                  <a:txBody>
-                    <a:bodyPr/>
-                    <a:lstStyle/>
-                    <a:p>
-                      <a:r>
-                        <a:rPr lang="zh-CN" altLang="en-US" dirty="0" smtClean="0"/>
-                        <a:t>幺九牌</a:t>
+                        <a:t>全局杠数</a:t>
                       </a:r>
                       <a:endParaRPr lang="zh-CN" altLang="en-US" dirty="0"/>
                     </a:p>
@@ -6264,58 +6497,30 @@
                     <a:bodyPr/>
                     <a:lstStyle/>
                     <a:p>
-                      <a:r>
-                        <a:rPr lang="en-US" altLang="zh-CN" dirty="0" smtClean="0"/>
-                        <a:t>0,1,2,…,14</a:t>
-                      </a:r>
-                      <a:endParaRPr lang="zh-CN" altLang="en-US" dirty="0"/>
-                    </a:p>
-                  </a:txBody>
-                  <a:tcPr/>
-                </a:tc>
-                <a:extLst>
-                  <a:ext uri="{0D108BD9-81ED-4DB2-BD59-A6C34878D82A}">
-                    <a16:rowId xmlns:a16="http://schemas.microsoft.com/office/drawing/2014/main" val="1388761964"/>
-                  </a:ext>
-                </a:extLst>
-              </a:tr>
-              <a:tr h="647568">
-                <a:tc>
-                  <a:txBody>
-                    <a:bodyPr/>
-                    <a:lstStyle/>
-                    <a:p>
+                      <a:pPr marL="0" marR="0" indent="0" algn="l" defTabSz="914400" rtl="0" eaLnBrk="1" fontAlgn="auto" latinLnBrk="0" hangingPunct="1">
+                        <a:lnSpc>
+                          <a:spcPct val="100000"/>
+                        </a:lnSpc>
+                        <a:spcBef>
+                          <a:spcPts val="0"/>
+                        </a:spcBef>
+                        <a:spcAft>
+                          <a:spcPts val="0"/>
+                        </a:spcAft>
+                        <a:buClrTx/>
+                        <a:buSzTx/>
+                        <a:buFontTx/>
+                        <a:buNone/>
+                        <a:tabLst/>
+                        <a:defRPr/>
+                      </a:pPr>
                       <a:r>
                         <a:rPr lang="zh-CN" altLang="en-US" dirty="0" smtClean="0"/>
                         <a:t>杠数</a:t>
                       </a:r>
-                      <a:endParaRPr lang="zh-CN" altLang="en-US" dirty="0"/>
-                    </a:p>
-                  </a:txBody>
-                  <a:tcPr/>
-                </a:tc>
-                <a:tc>
-                  <a:txBody>
-                    <a:bodyPr/>
-                    <a:lstStyle/>
-                    <a:p>
-                      <a:r>
-                        <a:rPr lang="en-US" altLang="zh-CN" dirty="0" smtClean="0"/>
-                        <a:t>1</a:t>
-                      </a:r>
-                      <a:endParaRPr lang="zh-CN" altLang="en-US" dirty="0"/>
-                    </a:p>
-                  </a:txBody>
-                  <a:tcPr/>
-                </a:tc>
-                <a:tc>
-                  <a:txBody>
-                    <a:bodyPr/>
-                    <a:lstStyle/>
-                    <a:p>
-                      <a:r>
-                        <a:rPr lang="en-US" altLang="zh-CN" dirty="0" smtClean="0"/>
-                        <a:t>0,1,2,3,4</a:t>
+                      <a:r>
+                        <a:rPr lang="en-US" altLang="zh-CN" dirty="0" smtClean="0"/>
+                        <a:t>/4</a:t>
                       </a:r>
                       <a:endParaRPr lang="zh-CN" altLang="en-US" dirty="0"/>
                     </a:p>
@@ -6328,7 +6533,7 @@
                   </a:ext>
                 </a:extLst>
               </a:tr>
-              <a:tr h="647568">
+              <a:tr h="448905">
                 <a:tc>
                   <a:txBody>
                     <a:bodyPr/>
@@ -6336,21 +6541,21 @@
                     <a:p>
                       <a:r>
                         <a:rPr lang="zh-CN" altLang="en-US" dirty="0" smtClean="0"/>
-                        <a:t>副露</a:t>
-                      </a:r>
-                      <a:endParaRPr lang="zh-CN" altLang="en-US" dirty="0"/>
-                    </a:p>
-                  </a:txBody>
-                  <a:tcPr/>
-                </a:tc>
-                <a:tc>
-                  <a:txBody>
-                    <a:bodyPr/>
-                    <a:lstStyle/>
-                    <a:p>
-                      <a:r>
-                        <a:rPr lang="en-US" altLang="zh-CN" dirty="0" smtClean="0"/>
-                        <a:t>4</a:t>
+                        <a:t>是否第一回合</a:t>
+                      </a:r>
+                      <a:endParaRPr lang="zh-CN" altLang="en-US" dirty="0"/>
+                    </a:p>
+                  </a:txBody>
+                  <a:tcPr/>
+                </a:tc>
+                <a:tc>
+                  <a:txBody>
+                    <a:bodyPr/>
+                    <a:lstStyle/>
+                    <a:p>
+                      <a:r>
+                        <a:rPr lang="en-US" altLang="zh-CN" dirty="0" smtClean="0"/>
+                        <a:t>1</a:t>
                       </a:r>
                       <a:endParaRPr lang="zh-CN" altLang="en-US" dirty="0"/>
                     </a:p>
@@ -6373,7 +6578,56 @@
                 </a:tc>
                 <a:extLst>
                   <a:ext uri="{0D108BD9-81ED-4DB2-BD59-A6C34878D82A}">
-                    <a16:rowId xmlns:a16="http://schemas.microsoft.com/office/drawing/2014/main" val="4205845819"/>
+                    <a16:rowId xmlns:a16="http://schemas.microsoft.com/office/drawing/2014/main" val="1478053276"/>
+                  </a:ext>
+                </a:extLst>
+              </a:tr>
+              <a:tr h="448905">
+                <a:tc>
+                  <a:txBody>
+                    <a:bodyPr/>
+                    <a:lstStyle/>
+                    <a:p>
+                      <a:r>
+                        <a:rPr lang="zh-CN" altLang="en-US" dirty="0" smtClean="0"/>
+                        <a:t>自己和了</a:t>
+                      </a:r>
+                      <a:endParaRPr lang="zh-CN" altLang="en-US" dirty="0"/>
+                    </a:p>
+                  </a:txBody>
+                  <a:tcPr/>
+                </a:tc>
+                <a:tc>
+                  <a:txBody>
+                    <a:bodyPr/>
+                    <a:lstStyle/>
+                    <a:p>
+                      <a:r>
+                        <a:rPr lang="en-US" altLang="zh-CN" dirty="0" smtClean="0"/>
+                        <a:t>1</a:t>
+                      </a:r>
+                      <a:endParaRPr lang="zh-CN" altLang="en-US" dirty="0"/>
+                    </a:p>
+                  </a:txBody>
+                  <a:tcPr/>
+                </a:tc>
+                <a:tc>
+                  <a:txBody>
+                    <a:bodyPr/>
+                    <a:lstStyle/>
+                    <a:p>
+                      <a:r>
+                        <a:rPr lang="en-US" altLang="zh-CN" dirty="0" smtClean="0"/>
+                        <a:t>0 or 1</a:t>
+                      </a:r>
+                      <a:endParaRPr lang="zh-CN" altLang="en-US" dirty="0"/>
+                    </a:p>
+                  </a:txBody>
+                  <a:tcPr/>
+                </a:tc>
+                <a:extLst>
+                  <a:ext uri="{0D108BD9-81ED-4DB2-BD59-A6C34878D82A}">
+                    <a16:rowId xmlns:a16="http://schemas.microsoft.com/office/drawing/2014/main" val="3603051403"/>
                   </a:ext>
                 </a:extLst>
               </a:tr>
@@ -6409,7 +6663,15 @@
                   <a:schemeClr val="accent5"/>
                 </a:solidFill>
               </a:rPr>
-              <a:t>Other Features</a:t>
+              <a:t>Vector </a:t>
+            </a:r>
+            <a:r>
+              <a:rPr lang="en-US" altLang="zh-CN" sz="2400" b="1" dirty="0" smtClean="0">
+                <a:solidFill>
+                  <a:schemeClr val="accent5"/>
+                </a:solidFill>
+              </a:rPr>
+              <a:t>Features</a:t>
             </a:r>
             <a:endParaRPr lang="zh-CN" altLang="en-US" sz="2400" b="1" dirty="0">
               <a:solidFill>
@@ -6427,8 +6689,8 @@
         </p:nvSpPr>
         <p:spPr>
           <a:xfrm>
-            <a:off x="7188201" y="4854275"/>
-            <a:ext cx="1507066" cy="753124"/>
+            <a:off x="7188201" y="5267497"/>
+            <a:ext cx="1507066" cy="610017"/>
           </a:xfrm>
           <a:prstGeom prst="rect">
             <a:avLst/>
@@ -6471,7 +6733,7 @@
         </p:nvSpPr>
         <p:spPr>
           <a:xfrm>
-            <a:off x="7188201" y="6020622"/>
+            <a:off x="7188201" y="6135843"/>
             <a:ext cx="1507066" cy="668867"/>
           </a:xfrm>
           <a:prstGeom prst="roundRect">
@@ -6515,7 +6777,7 @@
         </p:nvSpPr>
         <p:spPr>
           <a:xfrm>
-            <a:off x="9677400" y="2530585"/>
+            <a:off x="9646085" y="2634357"/>
             <a:ext cx="1507066" cy="668867"/>
           </a:xfrm>
           <a:prstGeom prst="roundRect">
@@ -6544,8 +6806,12 @@
           <a:p>
             <a:pPr algn="ctr"/>
             <a:r>
-              <a:rPr lang="en-US" altLang="zh-CN" sz="2000" dirty="0" smtClean="0"/>
-              <a:t>Other Features</a:t>
+              <a:rPr lang="en-US" altLang="zh-CN" sz="2000" dirty="0"/>
+              <a:t>Vector</a:t>
+            </a:r>
+            <a:r>
+              <a:rPr lang="en-US" altLang="zh-CN" sz="2000" dirty="0"/>
+              <a:t> Features</a:t>
             </a:r>
             <a:endParaRPr lang="zh-CN" altLang="en-US" sz="2000" dirty="0"/>
           </a:p>
@@ -6562,8 +6828,8 @@
         </p:nvCxnSpPr>
         <p:spPr>
           <a:xfrm flipV="1">
-            <a:off x="7941734" y="5607399"/>
-            <a:ext cx="0" cy="413223"/>
+            <a:off x="7941734" y="5877514"/>
+            <a:ext cx="0" cy="258329"/>
           </a:xfrm>
           <a:prstGeom prst="straightConnector1">
             <a:avLst/>
@@ -6600,8 +6866,8 @@
         </p:nvSpPr>
         <p:spPr>
           <a:xfrm>
-            <a:off x="7188201" y="2488457"/>
-            <a:ext cx="1507066" cy="753124"/>
+            <a:off x="7188201" y="2696001"/>
+            <a:ext cx="1507066" cy="545580"/>
           </a:xfrm>
           <a:prstGeom prst="rect">
             <a:avLst/>
@@ -6644,8 +6910,8 @@
         </p:nvSpPr>
         <p:spPr>
           <a:xfrm>
-            <a:off x="7188201" y="1355397"/>
-            <a:ext cx="1507066" cy="753124"/>
+            <a:off x="7188201" y="1868906"/>
+            <a:ext cx="1507066" cy="545580"/>
           </a:xfrm>
           <a:prstGeom prst="rect">
             <a:avLst/>
@@ -6688,8 +6954,8 @@
         </p:nvSpPr>
         <p:spPr>
           <a:xfrm>
-            <a:off x="7188201" y="3654804"/>
-            <a:ext cx="1507066" cy="753124"/>
+            <a:off x="7188201" y="4375965"/>
+            <a:ext cx="1507066" cy="610017"/>
           </a:xfrm>
           <a:prstGeom prst="rect">
             <a:avLst/>
@@ -6735,8 +7001,8 @@
         </p:nvCxnSpPr>
         <p:spPr>
           <a:xfrm flipH="1">
-            <a:off x="8695267" y="2865019"/>
-            <a:ext cx="982133" cy="0"/>
+            <a:off x="8695267" y="2968791"/>
+            <a:ext cx="950818" cy="0"/>
           </a:xfrm>
           <a:prstGeom prst="straightConnector1">
             <a:avLst/>
@@ -6776,8 +7042,8 @@
         </p:nvCxnSpPr>
         <p:spPr>
           <a:xfrm flipV="1">
-            <a:off x="7941734" y="4407928"/>
-            <a:ext cx="0" cy="446347"/>
+            <a:off x="7941734" y="4985982"/>
+            <a:ext cx="0" cy="281515"/>
           </a:xfrm>
           <a:prstGeom prst="straightConnector1">
             <a:avLst/>
@@ -6811,14 +7077,14 @@
           <p:cNvPr id="25" name="Straight Arrow Connector 24"/>
           <p:cNvCxnSpPr>
             <a:stCxn id="17" idx="0"/>
-            <a:endCxn id="13" idx="2"/>
+            <a:endCxn id="24" idx="2"/>
           </p:cNvCxnSpPr>
           <p:nvPr/>
         </p:nvCxnSpPr>
         <p:spPr>
           <a:xfrm flipV="1">
-            <a:off x="7941734" y="3241581"/>
-            <a:ext cx="0" cy="413223"/>
+            <a:off x="7941734" y="4130765"/>
+            <a:ext cx="0" cy="245200"/>
           </a:xfrm>
           <a:prstGeom prst="straightConnector1">
             <a:avLst/>
@@ -6858,8 +7124,8 @@
         </p:nvCxnSpPr>
         <p:spPr>
           <a:xfrm flipV="1">
-            <a:off x="7941734" y="2108521"/>
-            <a:ext cx="0" cy="379936"/>
+            <a:off x="7941734" y="2414486"/>
+            <a:ext cx="0" cy="281515"/>
           </a:xfrm>
           <a:prstGeom prst="straightConnector1">
             <a:avLst/>
@@ -6893,13 +7159,14 @@
           <p:cNvPr id="32" name="Straight Arrow Connector 31"/>
           <p:cNvCxnSpPr>
             <a:stCxn id="14" idx="0"/>
+            <a:endCxn id="36" idx="2"/>
           </p:cNvCxnSpPr>
           <p:nvPr/>
         </p:nvCxnSpPr>
         <p:spPr>
           <a:xfrm flipV="1">
-            <a:off x="7941734" y="899007"/>
-            <a:ext cx="0" cy="456390"/>
+            <a:off x="7941734" y="1598594"/>
+            <a:ext cx="0" cy="270312"/>
           </a:xfrm>
           <a:prstGeom prst="straightConnector1">
             <a:avLst/>
@@ -6936,7 +7203,7 @@
         </p:nvSpPr>
         <p:spPr>
           <a:xfrm>
-            <a:off x="7188201" y="340401"/>
+            <a:off x="7188201" y="113540"/>
             <a:ext cx="1507066" cy="612523"/>
           </a:xfrm>
           <a:prstGeom prst="roundRect">
@@ -6972,6 +7239,176 @@
           </a:p>
         </p:txBody>
       </p:sp>
+      <p:sp>
+        <p:nvSpPr>
+          <p:cNvPr id="24" name="Rectangle 23"/>
+          <p:cNvSpPr/>
+          <p:nvPr/>
+        </p:nvSpPr>
+        <p:spPr>
+          <a:xfrm>
+            <a:off x="7188201" y="3520748"/>
+            <a:ext cx="1507066" cy="610017"/>
+          </a:xfrm>
+          <a:prstGeom prst="rect">
+            <a:avLst/>
+          </a:prstGeom>
+        </p:spPr>
+        <p:style>
+          <a:lnRef idx="2">
+            <a:schemeClr val="accent1">
+              <a:shade val="50000"/>
+            </a:schemeClr>
+          </a:lnRef>
+          <a:fillRef idx="1">
+            <a:schemeClr val="accent1"/>
+          </a:fillRef>
+          <a:effectRef idx="0">
+            <a:schemeClr val="accent1"/>
+          </a:effectRef>
+          <a:fontRef idx="minor">
+            <a:schemeClr val="lt1"/>
+          </a:fontRef>
+        </p:style>
+        <p:txBody>
+          <a:bodyPr rtlCol="0" anchor="ctr"/>
+          <a:lstStyle/>
+          <a:p>
+            <a:pPr algn="ctr"/>
+            <a:r>
+              <a:rPr lang="en-US" altLang="zh-CN" sz="2400" b="1" dirty="0" smtClean="0"/>
+              <a:t>Conv1D</a:t>
+            </a:r>
+            <a:endParaRPr lang="zh-CN" altLang="en-US" sz="2400" b="1" dirty="0"/>
+          </a:p>
+        </p:txBody>
+      </p:sp>
+      <p:cxnSp>
+        <p:nvCxnSpPr>
+          <p:cNvPr id="26" name="Straight Arrow Connector 25"/>
+          <p:cNvCxnSpPr>
+            <a:stCxn id="24" idx="0"/>
+            <a:endCxn id="13" idx="2"/>
+          </p:cNvCxnSpPr>
+          <p:nvPr/>
+        </p:nvCxnSpPr>
+        <p:spPr>
+          <a:xfrm flipV="1">
+            <a:off x="7941734" y="3241581"/>
+            <a:ext cx="0" cy="279167"/>
+          </a:xfrm>
+          <a:prstGeom prst="straightConnector1">
+            <a:avLst/>
+          </a:prstGeom>
+          <a:ln w="38100">
+            <a:solidFill>
+              <a:schemeClr val="bg1">
+                <a:lumMod val="65000"/>
+              </a:schemeClr>
+            </a:solidFill>
+            <a:tailEnd type="triangle"/>
+          </a:ln>
+        </p:spPr>
+        <p:style>
+          <a:lnRef idx="1">
+            <a:schemeClr val="accent1"/>
+          </a:lnRef>
+          <a:fillRef idx="0">
+            <a:schemeClr val="accent1"/>
+          </a:fillRef>
+          <a:effectRef idx="0">
+            <a:schemeClr val="accent1"/>
+          </a:effectRef>
+          <a:fontRef idx="minor">
+            <a:schemeClr val="tx1"/>
+          </a:fontRef>
+        </p:style>
+      </p:cxnSp>
+      <p:sp>
+        <p:nvSpPr>
+          <p:cNvPr id="36" name="Rectangle 35"/>
+          <p:cNvSpPr/>
+          <p:nvPr/>
+        </p:nvSpPr>
+        <p:spPr>
+          <a:xfrm>
+            <a:off x="7188201" y="1053014"/>
+            <a:ext cx="1507066" cy="545580"/>
+          </a:xfrm>
+          <a:prstGeom prst="rect">
+            <a:avLst/>
+          </a:prstGeom>
+        </p:spPr>
+        <p:style>
+          <a:lnRef idx="2">
+            <a:schemeClr val="accent1">
+              <a:shade val="50000"/>
+            </a:schemeClr>
+          </a:lnRef>
+          <a:fillRef idx="1">
+            <a:schemeClr val="accent1"/>
+          </a:fillRef>
+          <a:effectRef idx="0">
+            <a:schemeClr val="accent1"/>
+          </a:effectRef>
+          <a:fontRef idx="minor">
+            <a:schemeClr val="lt1"/>
+          </a:fontRef>
+        </p:style>
+        <p:txBody>
+          <a:bodyPr rtlCol="0" anchor="ctr"/>
+          <a:lstStyle/>
+          <a:p>
+            <a:pPr algn="ctr"/>
+            <a:r>
+              <a:rPr lang="en-US" altLang="zh-CN" sz="2400" b="1" dirty="0" smtClean="0"/>
+              <a:t>FC3</a:t>
+            </a:r>
+            <a:endParaRPr lang="zh-CN" altLang="en-US" sz="2400" b="1" dirty="0"/>
+          </a:p>
+        </p:txBody>
+      </p:sp>
+      <p:cxnSp>
+        <p:nvCxnSpPr>
+          <p:cNvPr id="40" name="Straight Arrow Connector 39"/>
+          <p:cNvCxnSpPr>
+            <a:stCxn id="36" idx="0"/>
+            <a:endCxn id="33" idx="2"/>
+          </p:cNvCxnSpPr>
+          <p:nvPr/>
+        </p:nvCxnSpPr>
+        <p:spPr>
+          <a:xfrm flipV="1">
+            <a:off x="7941734" y="726063"/>
+            <a:ext cx="0" cy="326951"/>
+          </a:xfrm>
+          <a:prstGeom prst="straightConnector1">
+            <a:avLst/>
+          </a:prstGeom>
+          <a:ln w="38100">
+            <a:solidFill>
+              <a:schemeClr val="bg1">
+                <a:lumMod val="65000"/>
+              </a:schemeClr>
+            </a:solidFill>
+            <a:tailEnd type="triangle"/>
+          </a:ln>
+        </p:spPr>
+        <p:style>
+          <a:lnRef idx="1">
+            <a:schemeClr val="accent1"/>
+          </a:lnRef>
+          <a:fillRef idx="0">
+            <a:schemeClr val="accent1"/>
+          </a:fillRef>
+          <a:effectRef idx="0">
+            <a:schemeClr val="accent1"/>
+          </a:effectRef>
+          <a:fontRef idx="minor">
+            <a:schemeClr val="tx1"/>
+          </a:fontRef>
+        </p:style>
+      </p:cxnSp>
     </p:spTree>
     <p:extLst>
       <p:ext uri="{BB962C8B-B14F-4D97-AF65-F5344CB8AC3E}">
@@ -7639,8 +8076,8 @@
         </p:nvSpPr>
         <p:spPr>
           <a:xfrm>
-            <a:off x="4665022" y="2917426"/>
-            <a:ext cx="1066800" cy="584775"/>
+            <a:off x="4596214" y="2908161"/>
+            <a:ext cx="2618863" cy="584775"/>
           </a:xfrm>
           <a:prstGeom prst="rect">
             <a:avLst/>
@@ -7656,6 +8093,14 @@
             <a:r>
               <a:rPr lang="zh-CN" altLang="en-US" sz="3200" dirty="0" smtClean="0"/>
               <a:t>摸牌</a:t>
+            </a:r>
+            <a:r>
+              <a:rPr lang="en-US" altLang="zh-CN" sz="3200" dirty="0" smtClean="0"/>
+              <a:t>/</a:t>
+            </a:r>
+            <a:r>
+              <a:rPr lang="zh-CN" altLang="en-US" sz="3200" dirty="0" smtClean="0"/>
+              <a:t>杠</a:t>
             </a:r>
             <a:endParaRPr lang="zh-CN" altLang="en-US" sz="3200" dirty="0"/>
           </a:p>
@@ -7797,8 +8242,8 @@
         </p:nvSpPr>
         <p:spPr>
           <a:xfrm>
-            <a:off x="4838846" y="699482"/>
-            <a:ext cx="1066800" cy="584775"/>
+            <a:off x="3853264" y="704469"/>
+            <a:ext cx="4026354" cy="584775"/>
           </a:xfrm>
           <a:prstGeom prst="rect">
             <a:avLst/>
@@ -7812,8 +8257,20 @@
           <a:lstStyle/>
           <a:p>
             <a:r>
+              <a:rPr lang="zh-CN" altLang="en-US" sz="3200" dirty="0"/>
+              <a:t>荣</a:t>
+            </a:r>
+            <a:r>
               <a:rPr lang="zh-CN" altLang="en-US" sz="3200" dirty="0" smtClean="0"/>
-              <a:t>和牌</a:t>
+              <a:t>和</a:t>
+            </a:r>
+            <a:r>
+              <a:rPr lang="en-US" altLang="zh-CN" sz="3200" dirty="0" smtClean="0"/>
+              <a:t>/</a:t>
+            </a:r>
+            <a:r>
+              <a:rPr lang="zh-CN" altLang="en-US" sz="3200" dirty="0" smtClean="0"/>
+              <a:t>抢（暗）杠</a:t>
             </a:r>
             <a:endParaRPr lang="zh-CN" altLang="en-US" sz="3200" dirty="0"/>
           </a:p>
@@ -7928,7 +8385,7 @@
           <a:p>
             <a:r>
               <a:rPr lang="zh-CN" altLang="en-US" sz="3200" dirty="0" smtClean="0"/>
-              <a:t>鸣牌</a:t>
+              <a:t>吃碰</a:t>
             </a:r>
             <a:endParaRPr lang="zh-CN" altLang="en-US" sz="3200" dirty="0"/>
           </a:p>
